--- a/assets/architecture.pptx
+++ b/assets/architecture.pptx
@@ -5,7 +5,7 @@
     <p:sldMasterId id="2147483648" r:id="rId1"/>
   </p:sldMasterIdLst>
   <p:sldIdLst>
-    <p:sldId id="256" r:id="rId2"/>
+    <p:sldId id="258" r:id="rId2"/>
     <p:sldId id="257" r:id="rId3"/>
   </p:sldIdLst>
   <p:sldSz cx="12192000" cy="6858000"/>
@@ -260,7 +260,7 @@
           <a:p>
             <a:fld id="{DBACAE05-573A-8D4F-B7C1-DDE7AC324BE1}" type="datetimeFigureOut">
               <a:rPr lang="en-US" smtClean="0"/>
-              <a:t>12/22/23</a:t>
+              <a:t>2/6/24</a:t>
             </a:fld>
             <a:endParaRPr lang="en-US"/>
           </a:p>
@@ -458,7 +458,7 @@
           <a:p>
             <a:fld id="{DBACAE05-573A-8D4F-B7C1-DDE7AC324BE1}" type="datetimeFigureOut">
               <a:rPr lang="en-US" smtClean="0"/>
-              <a:t>12/22/23</a:t>
+              <a:t>2/6/24</a:t>
             </a:fld>
             <a:endParaRPr lang="en-US"/>
           </a:p>
@@ -666,7 +666,7 @@
           <a:p>
             <a:fld id="{DBACAE05-573A-8D4F-B7C1-DDE7AC324BE1}" type="datetimeFigureOut">
               <a:rPr lang="en-US" smtClean="0"/>
-              <a:t>12/22/23</a:t>
+              <a:t>2/6/24</a:t>
             </a:fld>
             <a:endParaRPr lang="en-US"/>
           </a:p>
@@ -864,7 +864,7 @@
           <a:p>
             <a:fld id="{DBACAE05-573A-8D4F-B7C1-DDE7AC324BE1}" type="datetimeFigureOut">
               <a:rPr lang="en-US" smtClean="0"/>
-              <a:t>12/22/23</a:t>
+              <a:t>2/6/24</a:t>
             </a:fld>
             <a:endParaRPr lang="en-US"/>
           </a:p>
@@ -1139,7 +1139,7 @@
           <a:p>
             <a:fld id="{DBACAE05-573A-8D4F-B7C1-DDE7AC324BE1}" type="datetimeFigureOut">
               <a:rPr lang="en-US" smtClean="0"/>
-              <a:t>12/22/23</a:t>
+              <a:t>2/6/24</a:t>
             </a:fld>
             <a:endParaRPr lang="en-US"/>
           </a:p>
@@ -1404,7 +1404,7 @@
           <a:p>
             <a:fld id="{DBACAE05-573A-8D4F-B7C1-DDE7AC324BE1}" type="datetimeFigureOut">
               <a:rPr lang="en-US" smtClean="0"/>
-              <a:t>12/22/23</a:t>
+              <a:t>2/6/24</a:t>
             </a:fld>
             <a:endParaRPr lang="en-US"/>
           </a:p>
@@ -1816,7 +1816,7 @@
           <a:p>
             <a:fld id="{DBACAE05-573A-8D4F-B7C1-DDE7AC324BE1}" type="datetimeFigureOut">
               <a:rPr lang="en-US" smtClean="0"/>
-              <a:t>12/22/23</a:t>
+              <a:t>2/6/24</a:t>
             </a:fld>
             <a:endParaRPr lang="en-US"/>
           </a:p>
@@ -1957,7 +1957,7 @@
           <a:p>
             <a:fld id="{DBACAE05-573A-8D4F-B7C1-DDE7AC324BE1}" type="datetimeFigureOut">
               <a:rPr lang="en-US" smtClean="0"/>
-              <a:t>12/22/23</a:t>
+              <a:t>2/6/24</a:t>
             </a:fld>
             <a:endParaRPr lang="en-US"/>
           </a:p>
@@ -2070,7 +2070,7 @@
           <a:p>
             <a:fld id="{DBACAE05-573A-8D4F-B7C1-DDE7AC324BE1}" type="datetimeFigureOut">
               <a:rPr lang="en-US" smtClean="0"/>
-              <a:t>12/22/23</a:t>
+              <a:t>2/6/24</a:t>
             </a:fld>
             <a:endParaRPr lang="en-US"/>
           </a:p>
@@ -2381,7 +2381,7 @@
           <a:p>
             <a:fld id="{DBACAE05-573A-8D4F-B7C1-DDE7AC324BE1}" type="datetimeFigureOut">
               <a:rPr lang="en-US" smtClean="0"/>
-              <a:t>12/22/23</a:t>
+              <a:t>2/6/24</a:t>
             </a:fld>
             <a:endParaRPr lang="en-US"/>
           </a:p>
@@ -2669,7 +2669,7 @@
           <a:p>
             <a:fld id="{DBACAE05-573A-8D4F-B7C1-DDE7AC324BE1}" type="datetimeFigureOut">
               <a:rPr lang="en-US" smtClean="0"/>
-              <a:t>12/22/23</a:t>
+              <a:t>2/6/24</a:t>
             </a:fld>
             <a:endParaRPr lang="en-US"/>
           </a:p>
@@ -2910,7 +2910,7 @@
           <a:p>
             <a:fld id="{DBACAE05-573A-8D4F-B7C1-DDE7AC324BE1}" type="datetimeFigureOut">
               <a:rPr lang="en-US" smtClean="0"/>
-              <a:t>12/22/23</a:t>
+              <a:t>2/6/24</a:t>
             </a:fld>
             <a:endParaRPr lang="en-US"/>
           </a:p>
@@ -3315,7 +3315,13 @@
   <p:cSld>
     <p:spTree>
       <p:nvGrpSpPr>
-        <p:cNvPr id="1" name=""/>
+        <p:cNvPr id="1" name="">
+          <a:extLst>
+            <a:ext uri="{FF2B5EF4-FFF2-40B4-BE49-F238E27FC236}">
+              <a16:creationId xmlns:a16="http://schemas.microsoft.com/office/drawing/2014/main" id="{067D443B-322C-343F-D9C5-5660CC8E0F0A}"/>
+            </a:ext>
+          </a:extLst>
+        </p:cNvPr>
         <p:cNvGrpSpPr/>
         <p:nvPr/>
       </p:nvGrpSpPr>
@@ -3327,120 +3333,12 @@
           <a:chExt cx="0" cy="0"/>
         </a:xfrm>
       </p:grpSpPr>
-      <p:pic>
-        <p:nvPicPr>
-          <p:cNvPr id="5" name="Graphic 4">
-            <a:extLst>
-              <a:ext uri="{FF2B5EF4-FFF2-40B4-BE49-F238E27FC236}">
-                <a16:creationId xmlns:a16="http://schemas.microsoft.com/office/drawing/2014/main" id="{3941711B-8E5B-F7A8-2844-B9E3E99E7D50}"/>
-              </a:ext>
-            </a:extLst>
-          </p:cNvPr>
-          <p:cNvPicPr>
-            <a:picLocks noChangeAspect="1"/>
-          </p:cNvPicPr>
-          <p:nvPr/>
-        </p:nvPicPr>
-        <p:blipFill>
-          <a:blip r:embed="rId2">
-            <a:extLst>
-              <a:ext uri="{96DAC541-7B7A-43D3-8B79-37D633B846F1}">
-                <asvg:svgBlip xmlns:asvg="http://schemas.microsoft.com/office/drawing/2016/SVG/main" r:embed="rId3"/>
-              </a:ext>
-            </a:extLst>
-          </a:blip>
-          <a:stretch>
-            <a:fillRect/>
-          </a:stretch>
-        </p:blipFill>
-        <p:spPr>
-          <a:xfrm>
-            <a:off x="2826791" y="1992854"/>
-            <a:ext cx="620069" cy="620069"/>
-          </a:xfrm>
-          <a:prstGeom prst="rect">
-            <a:avLst/>
-          </a:prstGeom>
-        </p:spPr>
-      </p:pic>
-      <p:pic>
-        <p:nvPicPr>
-          <p:cNvPr id="13" name="Graphic 12">
-            <a:extLst>
-              <a:ext uri="{FF2B5EF4-FFF2-40B4-BE49-F238E27FC236}">
-                <a16:creationId xmlns:a16="http://schemas.microsoft.com/office/drawing/2014/main" id="{05FC3FAC-E8F0-5FDD-1B3E-2A4626E3DA1F}"/>
-              </a:ext>
-            </a:extLst>
-          </p:cNvPr>
-          <p:cNvPicPr>
-            <a:picLocks noChangeAspect="1"/>
-          </p:cNvPicPr>
-          <p:nvPr/>
-        </p:nvPicPr>
-        <p:blipFill>
-          <a:blip r:embed="rId4">
-            <a:extLst>
-              <a:ext uri="{96DAC541-7B7A-43D3-8B79-37D633B846F1}">
-                <asvg:svgBlip xmlns:asvg="http://schemas.microsoft.com/office/drawing/2016/SVG/main" r:embed="rId5"/>
-              </a:ext>
-            </a:extLst>
-          </a:blip>
-          <a:stretch>
-            <a:fillRect/>
-          </a:stretch>
-        </p:blipFill>
-        <p:spPr>
-          <a:xfrm>
-            <a:off x="7702384" y="2127189"/>
-            <a:ext cx="533572" cy="533572"/>
-          </a:xfrm>
-          <a:prstGeom prst="rect">
-            <a:avLst/>
-          </a:prstGeom>
-        </p:spPr>
-      </p:pic>
-      <p:pic>
-        <p:nvPicPr>
-          <p:cNvPr id="16" name="Graphic 15">
-            <a:extLst>
-              <a:ext uri="{FF2B5EF4-FFF2-40B4-BE49-F238E27FC236}">
-                <a16:creationId xmlns:a16="http://schemas.microsoft.com/office/drawing/2014/main" id="{9D30A7B8-E612-9D9B-E596-6D537A350E00}"/>
-              </a:ext>
-            </a:extLst>
-          </p:cNvPr>
-          <p:cNvPicPr>
-            <a:picLocks noChangeAspect="1"/>
-          </p:cNvPicPr>
-          <p:nvPr/>
-        </p:nvPicPr>
-        <p:blipFill>
-          <a:blip r:embed="rId6">
-            <a:extLst>
-              <a:ext uri="{96DAC541-7B7A-43D3-8B79-37D633B846F1}">
-                <asvg:svgBlip xmlns:asvg="http://schemas.microsoft.com/office/drawing/2016/SVG/main" r:embed="rId7"/>
-              </a:ext>
-            </a:extLst>
-          </a:blip>
-          <a:stretch>
-            <a:fillRect/>
-          </a:stretch>
-        </p:blipFill>
-        <p:spPr>
-          <a:xfrm>
-            <a:off x="1650953" y="736427"/>
-            <a:ext cx="497016" cy="497016"/>
-          </a:xfrm>
-          <a:prstGeom prst="rect">
-            <a:avLst/>
-          </a:prstGeom>
-        </p:spPr>
-      </p:pic>
-      <p:sp>
-        <p:nvSpPr>
-          <p:cNvPr id="17" name="Rounded Rectangle 16">
-            <a:extLst>
-              <a:ext uri="{FF2B5EF4-FFF2-40B4-BE49-F238E27FC236}">
-                <a16:creationId xmlns:a16="http://schemas.microsoft.com/office/drawing/2014/main" id="{8DD55B1B-771C-C202-9801-B2EDDE23819D}"/>
+      <p:sp>
+        <p:nvSpPr>
+          <p:cNvPr id="15" name="Rounded Rectangle 14">
+            <a:extLst>
+              <a:ext uri="{FF2B5EF4-FFF2-40B4-BE49-F238E27FC236}">
+                <a16:creationId xmlns:a16="http://schemas.microsoft.com/office/drawing/2014/main" id="{8C2E4DF3-24B9-0A98-A677-EE94DDC106A8}"/>
               </a:ext>
             </a:extLst>
           </p:cNvPr>
@@ -3449,20 +3347,22 @@
         </p:nvSpPr>
         <p:spPr>
           <a:xfrm>
-            <a:off x="1527899" y="578922"/>
-            <a:ext cx="8516131" cy="4823396"/>
+            <a:off x="6148981" y="1029166"/>
+            <a:ext cx="1534266" cy="2386580"/>
           </a:xfrm>
           <a:prstGeom prst="roundRect">
             <a:avLst>
-              <a:gd name="adj" fmla="val 4682"/>
+              <a:gd name="adj" fmla="val 0"/>
             </a:avLst>
           </a:prstGeom>
-          <a:noFill/>
+          <a:solidFill>
+            <a:srgbClr val="EEEEEE"/>
+          </a:solidFill>
           <a:ln w="38100">
             <a:solidFill>
-              <a:srgbClr val="00B0F0"/>
+              <a:srgbClr val="EBEBEB"/>
             </a:solidFill>
-            <a:prstDash val="dash"/>
+            <a:prstDash val="solid"/>
           </a:ln>
         </p:spPr>
         <p:style>
@@ -3490,12 +3390,105 @@
           </a:p>
         </p:txBody>
       </p:sp>
+      <p:pic>
+        <p:nvPicPr>
+          <p:cNvPr id="5" name="Graphic 4">
+            <a:extLst>
+              <a:ext uri="{FF2B5EF4-FFF2-40B4-BE49-F238E27FC236}">
+                <a16:creationId xmlns:a16="http://schemas.microsoft.com/office/drawing/2014/main" id="{889DEB81-B3F1-72CC-6AD7-DF79DD852087}"/>
+              </a:ext>
+            </a:extLst>
+          </p:cNvPr>
+          <p:cNvPicPr>
+            <a:picLocks noChangeAspect="1"/>
+          </p:cNvPicPr>
+          <p:nvPr/>
+        </p:nvPicPr>
+        <p:blipFill>
+          <a:blip r:embed="rId2">
+            <a:extLst>
+              <a:ext uri="{96DAC541-7B7A-43D3-8B79-37D633B846F1}">
+                <asvg:svgBlip xmlns:asvg="http://schemas.microsoft.com/office/drawing/2016/SVG/main" r:embed="rId3"/>
+              </a:ext>
+            </a:extLst>
+          </a:blip>
+          <a:stretch>
+            <a:fillRect/>
+          </a:stretch>
+        </p:blipFill>
+        <p:spPr>
+          <a:xfrm>
+            <a:off x="9609725" y="1170808"/>
+            <a:ext cx="849434" cy="849434"/>
+          </a:xfrm>
+          <a:prstGeom prst="rect">
+            <a:avLst/>
+          </a:prstGeom>
+        </p:spPr>
+      </p:pic>
+      <p:sp>
+        <p:nvSpPr>
+          <p:cNvPr id="17" name="Rounded Rectangle 16">
+            <a:extLst>
+              <a:ext uri="{FF2B5EF4-FFF2-40B4-BE49-F238E27FC236}">
+                <a16:creationId xmlns:a16="http://schemas.microsoft.com/office/drawing/2014/main" id="{BFFE1276-DD79-CCB9-974F-CC66DDD511B2}"/>
+              </a:ext>
+            </a:extLst>
+          </p:cNvPr>
+          <p:cNvSpPr/>
+          <p:nvPr/>
+        </p:nvSpPr>
+        <p:spPr>
+          <a:xfrm>
+            <a:off x="3307628" y="1029166"/>
+            <a:ext cx="1534266" cy="2386580"/>
+          </a:xfrm>
+          <a:prstGeom prst="roundRect">
+            <a:avLst>
+              <a:gd name="adj" fmla="val 0"/>
+            </a:avLst>
+          </a:prstGeom>
+          <a:solidFill>
+            <a:srgbClr val="EEEEEE"/>
+          </a:solidFill>
+          <a:ln w="38100">
+            <a:solidFill>
+              <a:srgbClr val="EBEBEB"/>
+            </a:solidFill>
+            <a:prstDash val="solid"/>
+          </a:ln>
+        </p:spPr>
+        <p:style>
+          <a:lnRef idx="2">
+            <a:schemeClr val="accent1">
+              <a:shade val="15000"/>
+            </a:schemeClr>
+          </a:lnRef>
+          <a:fillRef idx="1">
+            <a:schemeClr val="accent1"/>
+          </a:fillRef>
+          <a:effectRef idx="0">
+            <a:schemeClr val="accent1"/>
+          </a:effectRef>
+          <a:fontRef idx="minor">
+            <a:schemeClr val="lt1"/>
+          </a:fontRef>
+        </p:style>
+        <p:txBody>
+          <a:bodyPr rtlCol="0" anchor="ctr"/>
+          <a:lstStyle/>
+          <a:p>
+            <a:pPr algn="ctr"/>
+            <a:endParaRPr lang="en-US"/>
+          </a:p>
+        </p:txBody>
+      </p:sp>
       <p:sp>
         <p:nvSpPr>
           <p:cNvPr id="18" name="TextBox 17">
             <a:extLst>
               <a:ext uri="{FF2B5EF4-FFF2-40B4-BE49-F238E27FC236}">
-                <a16:creationId xmlns:a16="http://schemas.microsoft.com/office/drawing/2014/main" id="{721550D5-F5AB-7A2D-894B-E5A7BF3D3EF5}"/>
+                <a16:creationId xmlns:a16="http://schemas.microsoft.com/office/drawing/2014/main" id="{E9B484C2-605A-A077-154B-3D69546106DA}"/>
               </a:ext>
             </a:extLst>
           </p:cNvPr>
@@ -3504,7 +3497,7 @@
         </p:nvSpPr>
         <p:spPr>
           <a:xfrm>
-            <a:off x="2147969" y="2660761"/>
+            <a:off x="9160267" y="2068079"/>
             <a:ext cx="2074863" cy="646331"/>
           </a:xfrm>
           <a:prstGeom prst="rect">
@@ -3538,10 +3531,10 @@
       </p:sp>
       <p:sp>
         <p:nvSpPr>
-          <p:cNvPr id="19" name="TextBox 18">
-            <a:extLst>
-              <a:ext uri="{FF2B5EF4-FFF2-40B4-BE49-F238E27FC236}">
-                <a16:creationId xmlns:a16="http://schemas.microsoft.com/office/drawing/2014/main" id="{56A9E5B0-5B99-7293-C3A2-34D025A40179}"/>
+          <p:cNvPr id="2" name="TextBox 1">
+            <a:extLst>
+              <a:ext uri="{FF2B5EF4-FFF2-40B4-BE49-F238E27FC236}">
+                <a16:creationId xmlns:a16="http://schemas.microsoft.com/office/drawing/2014/main" id="{A1A34AD5-CA6D-711A-772A-0843A7D0445F}"/>
               </a:ext>
             </a:extLst>
           </p:cNvPr>
@@ -3550,8 +3543,8 @@
         </p:nvSpPr>
         <p:spPr>
           <a:xfrm>
-            <a:off x="7392348" y="2708599"/>
-            <a:ext cx="1288045" cy="369332"/>
+            <a:off x="9609725" y="4528509"/>
+            <a:ext cx="886781" cy="646331"/>
           </a:xfrm>
           <a:prstGeom prst="rect">
             <a:avLst/>
@@ -3566,17 +3559,120 @@
           <a:p>
             <a:r>
               <a:rPr lang="en-US" dirty="0"/>
-              <a:t>App Service</a:t>
-            </a:r>
-          </a:p>
-        </p:txBody>
-      </p:sp>
-      <p:sp>
-        <p:nvSpPr>
-          <p:cNvPr id="2" name="TextBox 1">
-            <a:extLst>
-              <a:ext uri="{FF2B5EF4-FFF2-40B4-BE49-F238E27FC236}">
-                <a16:creationId xmlns:a16="http://schemas.microsoft.com/office/drawing/2014/main" id="{446A3DCE-43D2-B8BB-A5DA-0B525EF8062F}"/>
+              <a:t>Azure</a:t>
+            </a:r>
+          </a:p>
+          <a:p>
+            <a:r>
+              <a:rPr lang="en-US" dirty="0" err="1"/>
+              <a:t>OpenAI</a:t>
+            </a:r>
+            <a:endParaRPr lang="en-US" dirty="0"/>
+          </a:p>
+        </p:txBody>
+      </p:sp>
+      <p:pic>
+        <p:nvPicPr>
+          <p:cNvPr id="14" name="Picture 13">
+            <a:extLst>
+              <a:ext uri="{FF2B5EF4-FFF2-40B4-BE49-F238E27FC236}">
+                <a16:creationId xmlns:a16="http://schemas.microsoft.com/office/drawing/2014/main" id="{1EF5DAA1-B920-C288-4C95-F48865641A79}"/>
+              </a:ext>
+            </a:extLst>
+          </p:cNvPr>
+          <p:cNvPicPr>
+            <a:picLocks noChangeAspect="1"/>
+          </p:cNvPicPr>
+          <p:nvPr/>
+        </p:nvPicPr>
+        <p:blipFill>
+          <a:blip r:embed="rId4"/>
+          <a:stretch>
+            <a:fillRect/>
+          </a:stretch>
+        </p:blipFill>
+        <p:spPr>
+          <a:xfrm>
+            <a:off x="9677387" y="3759091"/>
+            <a:ext cx="751455" cy="769418"/>
+          </a:xfrm>
+          <a:prstGeom prst="rect">
+            <a:avLst/>
+          </a:prstGeom>
+        </p:spPr>
+      </p:pic>
+      <p:pic>
+        <p:nvPicPr>
+          <p:cNvPr id="3" name="Picture 2">
+            <a:extLst>
+              <a:ext uri="{FF2B5EF4-FFF2-40B4-BE49-F238E27FC236}">
+                <a16:creationId xmlns:a16="http://schemas.microsoft.com/office/drawing/2014/main" id="{E2A0C87C-233F-9931-33D7-E5AEDC437540}"/>
+              </a:ext>
+            </a:extLst>
+          </p:cNvPr>
+          <p:cNvPicPr>
+            <a:picLocks noChangeAspect="1"/>
+          </p:cNvPicPr>
+          <p:nvPr/>
+        </p:nvPicPr>
+        <p:blipFill>
+          <a:blip r:embed="rId5"/>
+          <a:stretch>
+            <a:fillRect/>
+          </a:stretch>
+        </p:blipFill>
+        <p:spPr>
+          <a:xfrm>
+            <a:off x="387026" y="6042060"/>
+            <a:ext cx="1409700" cy="482600"/>
+          </a:xfrm>
+          <a:prstGeom prst="rect">
+            <a:avLst/>
+          </a:prstGeom>
+        </p:spPr>
+      </p:pic>
+      <p:pic>
+        <p:nvPicPr>
+          <p:cNvPr id="6" name="Graphic 5">
+            <a:extLst>
+              <a:ext uri="{FF2B5EF4-FFF2-40B4-BE49-F238E27FC236}">
+                <a16:creationId xmlns:a16="http://schemas.microsoft.com/office/drawing/2014/main" id="{21E47EFC-083B-9BC8-31CE-828D3E15BF70}"/>
+              </a:ext>
+            </a:extLst>
+          </p:cNvPr>
+          <p:cNvPicPr>
+            <a:picLocks noChangeAspect="1"/>
+          </p:cNvPicPr>
+          <p:nvPr/>
+        </p:nvPicPr>
+        <p:blipFill>
+          <a:blip r:embed="rId6">
+            <a:extLst>
+              <a:ext uri="{96DAC541-7B7A-43D3-8B79-37D633B846F1}">
+                <asvg:svgBlip xmlns:asvg="http://schemas.microsoft.com/office/drawing/2016/SVG/main" r:embed="rId7"/>
+              </a:ext>
+            </a:extLst>
+          </a:blip>
+          <a:stretch>
+            <a:fillRect/>
+          </a:stretch>
+        </p:blipFill>
+        <p:spPr>
+          <a:xfrm>
+            <a:off x="3718067" y="2092019"/>
+            <a:ext cx="737870" cy="737870"/>
+          </a:xfrm>
+          <a:prstGeom prst="rect">
+            <a:avLst/>
+          </a:prstGeom>
+        </p:spPr>
+      </p:pic>
+      <p:sp>
+        <p:nvSpPr>
+          <p:cNvPr id="7" name="TextBox 6">
+            <a:extLst>
+              <a:ext uri="{FF2B5EF4-FFF2-40B4-BE49-F238E27FC236}">
+                <a16:creationId xmlns:a16="http://schemas.microsoft.com/office/drawing/2014/main" id="{2D84B320-F0FD-BEA5-ADBB-DDC1E21A0596}"/>
               </a:ext>
             </a:extLst>
           </p:cNvPr>
@@ -3585,8 +3681,8 @@
         </p:nvSpPr>
         <p:spPr>
           <a:xfrm>
-            <a:off x="5472486" y="3918439"/>
-            <a:ext cx="886781" cy="646331"/>
+            <a:off x="3442979" y="2928765"/>
+            <a:ext cx="1288045" cy="369332"/>
           </a:xfrm>
           <a:prstGeom prst="rect">
             <a:avLst/>
@@ -3601,49 +3697,200 @@
           <a:p>
             <a:r>
               <a:rPr lang="en-US" dirty="0"/>
-              <a:t>Azure</a:t>
-            </a:r>
-          </a:p>
-          <a:p>
-            <a:r>
-              <a:rPr lang="en-US" dirty="0" err="1"/>
-              <a:t>OpenAI</a:t>
-            </a:r>
-            <a:endParaRPr lang="en-US" dirty="0"/>
+              <a:t>App Service</a:t>
+            </a:r>
+          </a:p>
+        </p:txBody>
+      </p:sp>
+      <p:pic>
+        <p:nvPicPr>
+          <p:cNvPr id="9" name="Picture 8">
+            <a:extLst>
+              <a:ext uri="{FF2B5EF4-FFF2-40B4-BE49-F238E27FC236}">
+                <a16:creationId xmlns:a16="http://schemas.microsoft.com/office/drawing/2014/main" id="{E108463C-70DB-D0E8-87FC-23FB33FBB5CE}"/>
+              </a:ext>
+            </a:extLst>
+          </p:cNvPr>
+          <p:cNvPicPr>
+            <a:picLocks noChangeAspect="1"/>
+          </p:cNvPicPr>
+          <p:nvPr/>
+        </p:nvPicPr>
+        <p:blipFill>
+          <a:blip r:embed="rId8"/>
+          <a:stretch>
+            <a:fillRect/>
+          </a:stretch>
+        </p:blipFill>
+        <p:spPr>
+          <a:xfrm>
+            <a:off x="6412569" y="2074341"/>
+            <a:ext cx="962295" cy="887554"/>
+          </a:xfrm>
+          <a:prstGeom prst="rect">
+            <a:avLst/>
+          </a:prstGeom>
+        </p:spPr>
+      </p:pic>
+      <p:sp>
+        <p:nvSpPr>
+          <p:cNvPr id="10" name="TextBox 9">
+            <a:extLst>
+              <a:ext uri="{FF2B5EF4-FFF2-40B4-BE49-F238E27FC236}">
+                <a16:creationId xmlns:a16="http://schemas.microsoft.com/office/drawing/2014/main" id="{D490873B-D055-AA21-1F44-34CB2EF4F74C}"/>
+              </a:ext>
+            </a:extLst>
+          </p:cNvPr>
+          <p:cNvSpPr txBox="1"/>
+          <p:nvPr/>
+        </p:nvSpPr>
+        <p:spPr>
+          <a:xfrm>
+            <a:off x="6126583" y="2963903"/>
+            <a:ext cx="1534266" cy="369332"/>
+          </a:xfrm>
+          <a:prstGeom prst="rect">
+            <a:avLst/>
+          </a:prstGeom>
+          <a:noFill/>
+        </p:spPr>
+        <p:txBody>
+          <a:bodyPr wrap="none" rtlCol="0">
+            <a:spAutoFit/>
+          </a:bodyPr>
+          <a:lstStyle/>
+          <a:p>
+            <a:r>
+              <a:rPr lang="en-US" dirty="0"/>
+              <a:t>Container App</a:t>
+            </a:r>
+          </a:p>
+        </p:txBody>
+      </p:sp>
+      <p:sp>
+        <p:nvSpPr>
+          <p:cNvPr id="11" name="TextBox 10">
+            <a:extLst>
+              <a:ext uri="{FF2B5EF4-FFF2-40B4-BE49-F238E27FC236}">
+                <a16:creationId xmlns:a16="http://schemas.microsoft.com/office/drawing/2014/main" id="{33ABAF85-35A6-6BA8-1082-E977A39E2276}"/>
+              </a:ext>
+            </a:extLst>
+          </p:cNvPr>
+          <p:cNvSpPr txBox="1"/>
+          <p:nvPr/>
+        </p:nvSpPr>
+        <p:spPr>
+          <a:xfrm>
+            <a:off x="3520347" y="1061376"/>
+            <a:ext cx="1235146" cy="923330"/>
+          </a:xfrm>
+          <a:prstGeom prst="rect">
+            <a:avLst/>
+          </a:prstGeom>
+          <a:noFill/>
+        </p:spPr>
+        <p:txBody>
+          <a:bodyPr wrap="none" rtlCol="0">
+            <a:spAutoFit/>
+          </a:bodyPr>
+          <a:lstStyle/>
+          <a:p>
+            <a:r>
+              <a:rPr lang="en-US" dirty="0"/>
+              <a:t>Front-end</a:t>
+            </a:r>
+          </a:p>
+          <a:p>
+            <a:r>
+              <a:rPr lang="en-US" dirty="0"/>
+              <a:t>Web App</a:t>
+            </a:r>
+          </a:p>
+          <a:p>
+            <a:r>
+              <a:rPr lang="en-US" dirty="0"/>
+              <a:t>(Static SPA)</a:t>
+            </a:r>
+          </a:p>
+        </p:txBody>
+      </p:sp>
+      <p:sp>
+        <p:nvSpPr>
+          <p:cNvPr id="12" name="TextBox 11">
+            <a:extLst>
+              <a:ext uri="{FF2B5EF4-FFF2-40B4-BE49-F238E27FC236}">
+                <a16:creationId xmlns:a16="http://schemas.microsoft.com/office/drawing/2014/main" id="{F8AC7AE1-7DA0-D962-2684-4BC3A3A04D8B}"/>
+              </a:ext>
+            </a:extLst>
+          </p:cNvPr>
+          <p:cNvSpPr txBox="1"/>
+          <p:nvPr/>
+        </p:nvSpPr>
+        <p:spPr>
+          <a:xfrm>
+            <a:off x="6325224" y="1159267"/>
+            <a:ext cx="1043234" cy="923330"/>
+          </a:xfrm>
+          <a:prstGeom prst="rect">
+            <a:avLst/>
+          </a:prstGeom>
+          <a:noFill/>
+        </p:spPr>
+        <p:txBody>
+          <a:bodyPr wrap="none" rtlCol="0">
+            <a:spAutoFit/>
+          </a:bodyPr>
+          <a:lstStyle/>
+          <a:p>
+            <a:r>
+              <a:rPr lang="en-US" dirty="0"/>
+              <a:t>Back-end</a:t>
+            </a:r>
+          </a:p>
+          <a:p>
+            <a:r>
+              <a:rPr lang="en-US" dirty="0"/>
+              <a:t>API</a:t>
+            </a:r>
+          </a:p>
+          <a:p>
+            <a:r>
+              <a:rPr lang="en-US" dirty="0"/>
+              <a:t>(Python)</a:t>
+            </a:r>
           </a:p>
         </p:txBody>
       </p:sp>
       <p:cxnSp>
         <p:nvCxnSpPr>
-          <p:cNvPr id="4" name="Elbow Connector 3">
-            <a:extLst>
-              <a:ext uri="{FF2B5EF4-FFF2-40B4-BE49-F238E27FC236}">
-                <a16:creationId xmlns:a16="http://schemas.microsoft.com/office/drawing/2014/main" id="{71785235-A2CC-277E-A6BD-99F2CC5453DB}"/>
-              </a:ext>
-            </a:extLst>
-          </p:cNvPr>
-          <p:cNvCxnSpPr/>
+          <p:cNvPr id="20" name="Straight Arrow Connector 19">
+            <a:extLst>
+              <a:ext uri="{FF2B5EF4-FFF2-40B4-BE49-F238E27FC236}">
+                <a16:creationId xmlns:a16="http://schemas.microsoft.com/office/drawing/2014/main" id="{15B24C05-8443-EE57-2DC0-E57644221C76}"/>
+              </a:ext>
+            </a:extLst>
+          </p:cNvPr>
+          <p:cNvCxnSpPr>
+            <a:cxnSpLocks/>
+            <a:stCxn id="17" idx="3"/>
+            <a:endCxn id="15" idx="1"/>
+          </p:cNvCxnSpPr>
           <p:nvPr/>
         </p:nvCxnSpPr>
         <p:spPr>
           <a:xfrm>
-            <a:off x="3313355" y="3429000"/>
-            <a:ext cx="1925619" cy="820271"/>
-          </a:xfrm>
-          <a:prstGeom prst="bentConnector3">
-            <a:avLst>
-              <a:gd name="adj1" fmla="val 279"/>
-            </a:avLst>
+            <a:off x="4841894" y="2222456"/>
+            <a:ext cx="1307087" cy="0"/>
+          </a:xfrm>
+          <a:prstGeom prst="straightConnector1">
+            <a:avLst/>
           </a:prstGeom>
-          <a:ln w="28575">
+          <a:ln w="57150">
             <a:solidFill>
-              <a:schemeClr val="accent6">
-                <a:lumMod val="60000"/>
-                <a:lumOff val="40000"/>
-              </a:schemeClr>
+              <a:schemeClr val="tx1"/>
             </a:solidFill>
-            <a:headEnd type="triangle"/>
-            <a:tailEnd type="triangle"/>
+            <a:headEnd type="none" w="med" len="med"/>
+            <a:tailEnd type="triangle" w="med" len="med"/>
           </a:ln>
         </p:spPr>
         <p:style>
@@ -3663,10 +3910,56 @@
       </p:cxnSp>
       <p:cxnSp>
         <p:nvCxnSpPr>
-          <p:cNvPr id="8" name="Elbow Connector 7">
-            <a:extLst>
-              <a:ext uri="{FF2B5EF4-FFF2-40B4-BE49-F238E27FC236}">
-                <a16:creationId xmlns:a16="http://schemas.microsoft.com/office/drawing/2014/main" id="{94B5B290-163F-8214-ACEC-2168F7B8D09E}"/>
+          <p:cNvPr id="23" name="Straight Arrow Connector 22">
+            <a:extLst>
+              <a:ext uri="{FF2B5EF4-FFF2-40B4-BE49-F238E27FC236}">
+                <a16:creationId xmlns:a16="http://schemas.microsoft.com/office/drawing/2014/main" id="{90CF7460-0084-2190-0337-50396B7FBC3E}"/>
+              </a:ext>
+            </a:extLst>
+          </p:cNvPr>
+          <p:cNvCxnSpPr>
+            <a:cxnSpLocks/>
+            <a:stCxn id="15" idx="3"/>
+          </p:cNvCxnSpPr>
+          <p:nvPr/>
+        </p:nvCxnSpPr>
+        <p:spPr>
+          <a:xfrm>
+            <a:off x="7683247" y="2222456"/>
+            <a:ext cx="1368501" cy="8284"/>
+          </a:xfrm>
+          <a:prstGeom prst="straightConnector1">
+            <a:avLst/>
+          </a:prstGeom>
+          <a:ln w="57150">
+            <a:solidFill>
+              <a:schemeClr val="tx1"/>
+            </a:solidFill>
+            <a:headEnd type="triangle" w="med" len="med"/>
+            <a:tailEnd type="triangle" w="med" len="med"/>
+          </a:ln>
+        </p:spPr>
+        <p:style>
+          <a:lnRef idx="1">
+            <a:schemeClr val="accent1"/>
+          </a:lnRef>
+          <a:fillRef idx="0">
+            <a:schemeClr val="accent1"/>
+          </a:fillRef>
+          <a:effectRef idx="0">
+            <a:schemeClr val="accent1"/>
+          </a:effectRef>
+          <a:fontRef idx="minor">
+            <a:schemeClr val="tx1"/>
+          </a:fontRef>
+        </p:style>
+      </p:cxnSp>
+      <p:cxnSp>
+        <p:nvCxnSpPr>
+          <p:cNvPr id="24" name="Straight Arrow Connector 23">
+            <a:extLst>
+              <a:ext uri="{FF2B5EF4-FFF2-40B4-BE49-F238E27FC236}">
+                <a16:creationId xmlns:a16="http://schemas.microsoft.com/office/drawing/2014/main" id="{B5A537CB-A3C5-0F6A-26A2-0F7744C91405}"/>
               </a:ext>
             </a:extLst>
           </p:cNvPr>
@@ -3676,24 +3969,192 @@
           <p:nvPr/>
         </p:nvCxnSpPr>
         <p:spPr>
-          <a:xfrm rot="10800000" flipV="1">
-            <a:off x="6592780" y="3388756"/>
-            <a:ext cx="1443591" cy="820271"/>
-          </a:xfrm>
-          <a:prstGeom prst="bentConnector3">
+          <a:xfrm>
+            <a:off x="10021094" y="2911204"/>
+            <a:ext cx="0" cy="748747"/>
+          </a:xfrm>
+          <a:prstGeom prst="straightConnector1">
+            <a:avLst/>
+          </a:prstGeom>
+          <a:ln w="57150">
+            <a:solidFill>
+              <a:schemeClr val="tx1"/>
+            </a:solidFill>
+            <a:headEnd type="triangle" w="med" len="med"/>
+            <a:tailEnd type="triangle" w="med" len="med"/>
+          </a:ln>
+        </p:spPr>
+        <p:style>
+          <a:lnRef idx="1">
+            <a:schemeClr val="accent1"/>
+          </a:lnRef>
+          <a:fillRef idx="0">
+            <a:schemeClr val="accent1"/>
+          </a:fillRef>
+          <a:effectRef idx="0">
+            <a:schemeClr val="accent1"/>
+          </a:effectRef>
+          <a:fontRef idx="minor">
+            <a:schemeClr val="tx1"/>
+          </a:fontRef>
+        </p:style>
+      </p:cxnSp>
+      <p:sp>
+        <p:nvSpPr>
+          <p:cNvPr id="27" name="Rounded Rectangle 26">
+            <a:extLst>
+              <a:ext uri="{FF2B5EF4-FFF2-40B4-BE49-F238E27FC236}">
+                <a16:creationId xmlns:a16="http://schemas.microsoft.com/office/drawing/2014/main" id="{38D84F80-30DB-07A6-6194-BCCC290F94D8}"/>
+              </a:ext>
+            </a:extLst>
+          </p:cNvPr>
+          <p:cNvSpPr/>
+          <p:nvPr/>
+        </p:nvSpPr>
+        <p:spPr>
+          <a:xfrm>
+            <a:off x="3052438" y="713742"/>
+            <a:ext cx="8450450" cy="5079434"/>
+          </a:xfrm>
+          <a:prstGeom prst="roundRect">
             <a:avLst>
-              <a:gd name="adj1" fmla="val 72"/>
+              <a:gd name="adj" fmla="val 0"/>
             </a:avLst>
           </a:prstGeom>
+          <a:noFill/>
           <a:ln w="28575">
             <a:solidFill>
-              <a:schemeClr val="accent6">
-                <a:lumMod val="60000"/>
-                <a:lumOff val="40000"/>
-              </a:schemeClr>
+              <a:srgbClr val="BFBFBF"/>
             </a:solidFill>
-            <a:headEnd type="triangle"/>
-            <a:tailEnd type="triangle"/>
+            <a:prstDash val="solid"/>
+          </a:ln>
+        </p:spPr>
+        <p:style>
+          <a:lnRef idx="2">
+            <a:schemeClr val="accent1">
+              <a:shade val="15000"/>
+            </a:schemeClr>
+          </a:lnRef>
+          <a:fillRef idx="1">
+            <a:schemeClr val="accent1"/>
+          </a:fillRef>
+          <a:effectRef idx="0">
+            <a:schemeClr val="accent1"/>
+          </a:effectRef>
+          <a:fontRef idx="minor">
+            <a:schemeClr val="lt1"/>
+          </a:fontRef>
+        </p:style>
+        <p:txBody>
+          <a:bodyPr rtlCol="0" anchor="ctr"/>
+          <a:lstStyle/>
+          <a:p>
+            <a:pPr algn="ctr"/>
+            <a:endParaRPr lang="en-US"/>
+          </a:p>
+        </p:txBody>
+      </p:sp>
+      <p:pic>
+        <p:nvPicPr>
+          <p:cNvPr id="28" name="Picture 27">
+            <a:extLst>
+              <a:ext uri="{FF2B5EF4-FFF2-40B4-BE49-F238E27FC236}">
+                <a16:creationId xmlns:a16="http://schemas.microsoft.com/office/drawing/2014/main" id="{DA2C0EB7-F508-6263-B077-97E2D1B521B4}"/>
+              </a:ext>
+            </a:extLst>
+          </p:cNvPr>
+          <p:cNvPicPr>
+            <a:picLocks noChangeAspect="1"/>
+          </p:cNvPicPr>
+          <p:nvPr/>
+        </p:nvPicPr>
+        <p:blipFill>
+          <a:blip r:embed="rId9"/>
+          <a:stretch>
+            <a:fillRect/>
+          </a:stretch>
+        </p:blipFill>
+        <p:spPr>
+          <a:xfrm>
+            <a:off x="693337" y="1913030"/>
+            <a:ext cx="990600" cy="622300"/>
+          </a:xfrm>
+          <a:prstGeom prst="rect">
+            <a:avLst/>
+          </a:prstGeom>
+        </p:spPr>
+      </p:pic>
+      <p:sp>
+        <p:nvSpPr>
+          <p:cNvPr id="29" name="TextBox 28">
+            <a:extLst>
+              <a:ext uri="{FF2B5EF4-FFF2-40B4-BE49-F238E27FC236}">
+                <a16:creationId xmlns:a16="http://schemas.microsoft.com/office/drawing/2014/main" id="{87F9254E-F633-52E6-F756-B9DB7DAA3E0D}"/>
+              </a:ext>
+            </a:extLst>
+          </p:cNvPr>
+          <p:cNvSpPr txBox="1"/>
+          <p:nvPr/>
+        </p:nvSpPr>
+        <p:spPr>
+          <a:xfrm>
+            <a:off x="728483" y="2564977"/>
+            <a:ext cx="955454" cy="646331"/>
+          </a:xfrm>
+          <a:prstGeom prst="rect">
+            <a:avLst/>
+          </a:prstGeom>
+          <a:noFill/>
+        </p:spPr>
+        <p:txBody>
+          <a:bodyPr wrap="none" rtlCol="0">
+            <a:spAutoFit/>
+          </a:bodyPr>
+          <a:lstStyle/>
+          <a:p>
+            <a:r>
+              <a:rPr lang="en-US" dirty="0"/>
+              <a:t>Web</a:t>
+            </a:r>
+          </a:p>
+          <a:p>
+            <a:r>
+              <a:rPr lang="en-US" dirty="0"/>
+              <a:t>Browser</a:t>
+            </a:r>
+          </a:p>
+        </p:txBody>
+      </p:sp>
+      <p:cxnSp>
+        <p:nvCxnSpPr>
+          <p:cNvPr id="30" name="Straight Arrow Connector 29">
+            <a:extLst>
+              <a:ext uri="{FF2B5EF4-FFF2-40B4-BE49-F238E27FC236}">
+                <a16:creationId xmlns:a16="http://schemas.microsoft.com/office/drawing/2014/main" id="{0AE54DA6-0722-C471-A9C1-D17EF432B460}"/>
+              </a:ext>
+            </a:extLst>
+          </p:cNvPr>
+          <p:cNvCxnSpPr>
+            <a:cxnSpLocks/>
+            <a:stCxn id="28" idx="3"/>
+            <a:endCxn id="17" idx="1"/>
+          </p:cNvCxnSpPr>
+          <p:nvPr/>
+        </p:nvCxnSpPr>
+        <p:spPr>
+          <a:xfrm flipV="1">
+            <a:off x="1683937" y="2222456"/>
+            <a:ext cx="1623691" cy="1724"/>
+          </a:xfrm>
+          <a:prstGeom prst="straightConnector1">
+            <a:avLst/>
+          </a:prstGeom>
+          <a:ln w="57150">
+            <a:solidFill>
+              <a:schemeClr val="tx1"/>
+            </a:solidFill>
+            <a:headEnd type="none" w="med" len="med"/>
+            <a:tailEnd type="triangle" w="med" len="med"/>
           </a:ln>
         </p:spPr>
         <p:style>
@@ -3713,10 +4174,10 @@
       </p:cxnSp>
       <p:pic>
         <p:nvPicPr>
-          <p:cNvPr id="14" name="Picture 13">
-            <a:extLst>
-              <a:ext uri="{FF2B5EF4-FFF2-40B4-BE49-F238E27FC236}">
-                <a16:creationId xmlns:a16="http://schemas.microsoft.com/office/drawing/2014/main" id="{D0196BA0-0AD8-1D14-C3EC-DC54216B7FFA}"/>
+          <p:cNvPr id="4" name="Graphic 3">
+            <a:extLst>
+              <a:ext uri="{FF2B5EF4-FFF2-40B4-BE49-F238E27FC236}">
+                <a16:creationId xmlns:a16="http://schemas.microsoft.com/office/drawing/2014/main" id="{E9F3B9F0-F176-EED3-C57A-4A210EC4A072}"/>
               </a:ext>
             </a:extLst>
           </p:cNvPr>
@@ -3726,25 +4187,111 @@
           <p:nvPr/>
         </p:nvPicPr>
         <p:blipFill>
-          <a:blip r:embed="rId8"/>
+          <a:blip r:embed="rId10">
+            <a:extLst>
+              <a:ext uri="{96DAC541-7B7A-43D3-8B79-37D633B846F1}">
+                <asvg:svgBlip xmlns:asvg="http://schemas.microsoft.com/office/drawing/2016/SVG/main" r:embed="rId11"/>
+              </a:ext>
+            </a:extLst>
+          </a:blip>
           <a:stretch>
             <a:fillRect/>
           </a:stretch>
         </p:blipFill>
         <p:spPr>
           <a:xfrm>
-            <a:off x="5599222" y="3429000"/>
-            <a:ext cx="519363" cy="531778"/>
+            <a:off x="6560856" y="4308354"/>
+            <a:ext cx="814008" cy="814008"/>
           </a:xfrm>
           <a:prstGeom prst="rect">
             <a:avLst/>
           </a:prstGeom>
         </p:spPr>
       </p:pic>
+      <p:sp>
+        <p:nvSpPr>
+          <p:cNvPr id="8" name="TextBox 7">
+            <a:extLst>
+              <a:ext uri="{FF2B5EF4-FFF2-40B4-BE49-F238E27FC236}">
+                <a16:creationId xmlns:a16="http://schemas.microsoft.com/office/drawing/2014/main" id="{F92D565C-793C-908F-E897-646E6BC77F07}"/>
+              </a:ext>
+            </a:extLst>
+          </p:cNvPr>
+          <p:cNvSpPr txBox="1"/>
+          <p:nvPr/>
+        </p:nvSpPr>
+        <p:spPr>
+          <a:xfrm>
+            <a:off x="6067521" y="5213840"/>
+            <a:ext cx="1905522" cy="369332"/>
+          </a:xfrm>
+          <a:prstGeom prst="rect">
+            <a:avLst/>
+          </a:prstGeom>
+          <a:noFill/>
+        </p:spPr>
+        <p:txBody>
+          <a:bodyPr wrap="none" rtlCol="0">
+            <a:spAutoFit/>
+          </a:bodyPr>
+          <a:lstStyle/>
+          <a:p>
+            <a:r>
+              <a:rPr lang="en-US" dirty="0"/>
+              <a:t>Container Registry</a:t>
+            </a:r>
+          </a:p>
+        </p:txBody>
+      </p:sp>
+      <p:cxnSp>
+        <p:nvCxnSpPr>
+          <p:cNvPr id="13" name="Straight Arrow Connector 12">
+            <a:extLst>
+              <a:ext uri="{FF2B5EF4-FFF2-40B4-BE49-F238E27FC236}">
+                <a16:creationId xmlns:a16="http://schemas.microsoft.com/office/drawing/2014/main" id="{3B20A0BB-A2CC-B260-9F87-4F858852859A}"/>
+              </a:ext>
+            </a:extLst>
+          </p:cNvPr>
+          <p:cNvCxnSpPr>
+            <a:cxnSpLocks/>
+          </p:cNvCxnSpPr>
+          <p:nvPr/>
+        </p:nvCxnSpPr>
+        <p:spPr>
+          <a:xfrm>
+            <a:off x="6915944" y="3494581"/>
+            <a:ext cx="0" cy="748747"/>
+          </a:xfrm>
+          <a:prstGeom prst="straightConnector1">
+            <a:avLst/>
+          </a:prstGeom>
+          <a:ln w="57150">
+            <a:solidFill>
+              <a:schemeClr val="tx1"/>
+            </a:solidFill>
+            <a:headEnd type="triangle" w="med" len="med"/>
+            <a:tailEnd type="none" w="med" len="med"/>
+          </a:ln>
+        </p:spPr>
+        <p:style>
+          <a:lnRef idx="1">
+            <a:schemeClr val="accent1"/>
+          </a:lnRef>
+          <a:fillRef idx="0">
+            <a:schemeClr val="accent1"/>
+          </a:fillRef>
+          <a:effectRef idx="0">
+            <a:schemeClr val="accent1"/>
+          </a:effectRef>
+          <a:fontRef idx="minor">
+            <a:schemeClr val="tx1"/>
+          </a:fontRef>
+        </p:style>
+      </p:cxnSp>
     </p:spTree>
     <p:extLst>
       <p:ext uri="{BB962C8B-B14F-4D97-AF65-F5344CB8AC3E}">
-        <p14:creationId xmlns:p14="http://schemas.microsoft.com/office/powerpoint/2010/main" val="2313639565"/>
+        <p14:creationId xmlns:p14="http://schemas.microsoft.com/office/powerpoint/2010/main" val="1213788507"/>
       </p:ext>
     </p:extLst>
   </p:cSld>
@@ -3873,6 +4420,598 @@
           <a:xfrm>
             <a:off x="2518034" y="5829041"/>
             <a:ext cx="533572" cy="533572"/>
+          </a:xfrm>
+          <a:prstGeom prst="rect">
+            <a:avLst/>
+          </a:prstGeom>
+        </p:spPr>
+      </p:pic>
+      <p:pic>
+        <p:nvPicPr>
+          <p:cNvPr id="6" name="Graphic 5">
+            <a:extLst>
+              <a:ext uri="{FF2B5EF4-FFF2-40B4-BE49-F238E27FC236}">
+                <a16:creationId xmlns:a16="http://schemas.microsoft.com/office/drawing/2014/main" id="{C0BC4B43-F156-FAF0-1E40-A50A12FE0C3C}"/>
+              </a:ext>
+            </a:extLst>
+          </p:cNvPr>
+          <p:cNvPicPr>
+            <a:picLocks noChangeAspect="1"/>
+          </p:cNvPicPr>
+          <p:nvPr/>
+        </p:nvPicPr>
+        <p:blipFill>
+          <a:blip r:embed="rId8">
+            <a:extLst>
+              <a:ext uri="{96DAC541-7B7A-43D3-8B79-37D633B846F1}">
+                <asvg:svgBlip xmlns:asvg="http://schemas.microsoft.com/office/drawing/2016/SVG/main" r:embed="rId9"/>
+              </a:ext>
+            </a:extLst>
+          </a:blip>
+          <a:stretch>
+            <a:fillRect/>
+          </a:stretch>
+        </p:blipFill>
+        <p:spPr>
+          <a:xfrm>
+            <a:off x="4626672" y="762271"/>
+            <a:ext cx="737870" cy="737870"/>
+          </a:xfrm>
+          <a:prstGeom prst="rect">
+            <a:avLst/>
+          </a:prstGeom>
+        </p:spPr>
+      </p:pic>
+      <p:pic>
+        <p:nvPicPr>
+          <p:cNvPr id="8" name="Graphic 7">
+            <a:extLst>
+              <a:ext uri="{FF2B5EF4-FFF2-40B4-BE49-F238E27FC236}">
+                <a16:creationId xmlns:a16="http://schemas.microsoft.com/office/drawing/2014/main" id="{2E229E85-C519-512D-5802-FC8F93E80B95}"/>
+              </a:ext>
+            </a:extLst>
+          </p:cNvPr>
+          <p:cNvPicPr>
+            <a:picLocks noChangeAspect="1"/>
+          </p:cNvPicPr>
+          <p:nvPr/>
+        </p:nvPicPr>
+        <p:blipFill>
+          <a:blip r:embed="rId10">
+            <a:extLst>
+              <a:ext uri="{96DAC541-7B7A-43D3-8B79-37D633B846F1}">
+                <asvg:svgBlip xmlns:asvg="http://schemas.microsoft.com/office/drawing/2016/SVG/main" r:embed="rId11"/>
+              </a:ext>
+            </a:extLst>
+          </a:blip>
+          <a:stretch>
+            <a:fillRect/>
+          </a:stretch>
+        </p:blipFill>
+        <p:spPr>
+          <a:xfrm>
+            <a:off x="2766840" y="678634"/>
+            <a:ext cx="905143" cy="905143"/>
+          </a:xfrm>
+          <a:prstGeom prst="rect">
+            <a:avLst/>
+          </a:prstGeom>
+        </p:spPr>
+      </p:pic>
+      <p:sp>
+        <p:nvSpPr>
+          <p:cNvPr id="9" name="TextBox 8">
+            <a:extLst>
+              <a:ext uri="{FF2B5EF4-FFF2-40B4-BE49-F238E27FC236}">
+                <a16:creationId xmlns:a16="http://schemas.microsoft.com/office/drawing/2014/main" id="{7FC97B8A-4588-CBFA-A1F0-42CCAC4DF6EB}"/>
+              </a:ext>
+            </a:extLst>
+          </p:cNvPr>
+          <p:cNvSpPr txBox="1"/>
+          <p:nvPr/>
+        </p:nvSpPr>
+        <p:spPr>
+          <a:xfrm>
+            <a:off x="2452278" y="1599017"/>
+            <a:ext cx="1534266" cy="646331"/>
+          </a:xfrm>
+          <a:prstGeom prst="rect">
+            <a:avLst/>
+          </a:prstGeom>
+          <a:noFill/>
+        </p:spPr>
+        <p:txBody>
+          <a:bodyPr wrap="none" rtlCol="0">
+            <a:spAutoFit/>
+          </a:bodyPr>
+          <a:lstStyle/>
+          <a:p>
+            <a:r>
+              <a:rPr lang="en-US" dirty="0"/>
+              <a:t>Container App</a:t>
+            </a:r>
+          </a:p>
+          <a:p>
+            <a:r>
+              <a:rPr lang="en-US" dirty="0"/>
+              <a:t>Environment</a:t>
+            </a:r>
+          </a:p>
+        </p:txBody>
+      </p:sp>
+      <p:sp>
+        <p:nvSpPr>
+          <p:cNvPr id="10" name="TextBox 9">
+            <a:extLst>
+              <a:ext uri="{FF2B5EF4-FFF2-40B4-BE49-F238E27FC236}">
+                <a16:creationId xmlns:a16="http://schemas.microsoft.com/office/drawing/2014/main" id="{142DE6EE-2E32-0ECD-9E38-0A83A65D3E4E}"/>
+              </a:ext>
+            </a:extLst>
+          </p:cNvPr>
+          <p:cNvSpPr txBox="1"/>
+          <p:nvPr/>
+        </p:nvSpPr>
+        <p:spPr>
+          <a:xfrm>
+            <a:off x="4351584" y="1599017"/>
+            <a:ext cx="1288045" cy="369332"/>
+          </a:xfrm>
+          <a:prstGeom prst="rect">
+            <a:avLst/>
+          </a:prstGeom>
+          <a:noFill/>
+        </p:spPr>
+        <p:txBody>
+          <a:bodyPr wrap="none" rtlCol="0">
+            <a:spAutoFit/>
+          </a:bodyPr>
+          <a:lstStyle/>
+          <a:p>
+            <a:r>
+              <a:rPr lang="en-US" dirty="0"/>
+              <a:t>App Service</a:t>
+            </a:r>
+          </a:p>
+        </p:txBody>
+      </p:sp>
+      <p:pic>
+        <p:nvPicPr>
+          <p:cNvPr id="12" name="Graphic 11">
+            <a:extLst>
+              <a:ext uri="{FF2B5EF4-FFF2-40B4-BE49-F238E27FC236}">
+                <a16:creationId xmlns:a16="http://schemas.microsoft.com/office/drawing/2014/main" id="{6DB0F557-09B0-9A70-9B51-45948E778C3E}"/>
+              </a:ext>
+            </a:extLst>
+          </p:cNvPr>
+          <p:cNvPicPr>
+            <a:picLocks noChangeAspect="1"/>
+          </p:cNvPicPr>
+          <p:nvPr/>
+        </p:nvPicPr>
+        <p:blipFill>
+          <a:blip r:embed="rId12">
+            <a:extLst>
+              <a:ext uri="{96DAC541-7B7A-43D3-8B79-37D633B846F1}">
+                <asvg:svgBlip xmlns:asvg="http://schemas.microsoft.com/office/drawing/2016/SVG/main" r:embed="rId13"/>
+              </a:ext>
+            </a:extLst>
+          </a:blip>
+          <a:stretch>
+            <a:fillRect/>
+          </a:stretch>
+        </p:blipFill>
+        <p:spPr>
+          <a:xfrm>
+            <a:off x="723761" y="495387"/>
+            <a:ext cx="1088390" cy="1088390"/>
+          </a:xfrm>
+          <a:prstGeom prst="rect">
+            <a:avLst/>
+          </a:prstGeom>
+        </p:spPr>
+      </p:pic>
+      <p:sp>
+        <p:nvSpPr>
+          <p:cNvPr id="13" name="TextBox 12">
+            <a:extLst>
+              <a:ext uri="{FF2B5EF4-FFF2-40B4-BE49-F238E27FC236}">
+                <a16:creationId xmlns:a16="http://schemas.microsoft.com/office/drawing/2014/main" id="{64D1334E-B69B-6FBF-5A28-59272D8D3DB6}"/>
+              </a:ext>
+            </a:extLst>
+          </p:cNvPr>
+          <p:cNvSpPr txBox="1"/>
+          <p:nvPr/>
+        </p:nvSpPr>
+        <p:spPr>
+          <a:xfrm>
+            <a:off x="374249" y="1692263"/>
+            <a:ext cx="1826782" cy="369332"/>
+          </a:xfrm>
+          <a:prstGeom prst="rect">
+            <a:avLst/>
+          </a:prstGeom>
+          <a:noFill/>
+        </p:spPr>
+        <p:txBody>
+          <a:bodyPr wrap="none" rtlCol="0">
+            <a:spAutoFit/>
+          </a:bodyPr>
+          <a:lstStyle/>
+          <a:p>
+            <a:r>
+              <a:rPr lang="en-US" dirty="0"/>
+              <a:t>Azure Cosmos DB</a:t>
+            </a:r>
+          </a:p>
+        </p:txBody>
+      </p:sp>
+      <p:pic>
+        <p:nvPicPr>
+          <p:cNvPr id="15" name="Graphic 14">
+            <a:extLst>
+              <a:ext uri="{FF2B5EF4-FFF2-40B4-BE49-F238E27FC236}">
+                <a16:creationId xmlns:a16="http://schemas.microsoft.com/office/drawing/2014/main" id="{8E20EE3C-A21F-014D-3072-C2AEDC5F8EDA}"/>
+              </a:ext>
+            </a:extLst>
+          </p:cNvPr>
+          <p:cNvPicPr>
+            <a:picLocks noChangeAspect="1"/>
+          </p:cNvPicPr>
+          <p:nvPr/>
+        </p:nvPicPr>
+        <p:blipFill>
+          <a:blip r:embed="rId14">
+            <a:extLst>
+              <a:ext uri="{96DAC541-7B7A-43D3-8B79-37D633B846F1}">
+                <asvg:svgBlip xmlns:asvg="http://schemas.microsoft.com/office/drawing/2016/SVG/main" r:embed="rId15"/>
+              </a:ext>
+            </a:extLst>
+          </a:blip>
+          <a:stretch>
+            <a:fillRect/>
+          </a:stretch>
+        </p:blipFill>
+        <p:spPr>
+          <a:xfrm>
+            <a:off x="868639" y="2614992"/>
+            <a:ext cx="814008" cy="814008"/>
+          </a:xfrm>
+          <a:prstGeom prst="rect">
+            <a:avLst/>
+          </a:prstGeom>
+        </p:spPr>
+      </p:pic>
+      <p:sp>
+        <p:nvSpPr>
+          <p:cNvPr id="16" name="TextBox 15">
+            <a:extLst>
+              <a:ext uri="{FF2B5EF4-FFF2-40B4-BE49-F238E27FC236}">
+                <a16:creationId xmlns:a16="http://schemas.microsoft.com/office/drawing/2014/main" id="{81F49552-DBB4-4217-023A-4A873CDB8D7E}"/>
+              </a:ext>
+            </a:extLst>
+          </p:cNvPr>
+          <p:cNvSpPr txBox="1"/>
+          <p:nvPr/>
+        </p:nvSpPr>
+        <p:spPr>
+          <a:xfrm>
+            <a:off x="457093" y="3502546"/>
+            <a:ext cx="1905522" cy="369332"/>
+          </a:xfrm>
+          <a:prstGeom prst="rect">
+            <a:avLst/>
+          </a:prstGeom>
+          <a:noFill/>
+        </p:spPr>
+        <p:txBody>
+          <a:bodyPr wrap="none" rtlCol="0">
+            <a:spAutoFit/>
+          </a:bodyPr>
+          <a:lstStyle/>
+          <a:p>
+            <a:r>
+              <a:rPr lang="en-US" dirty="0"/>
+              <a:t>Container Registry</a:t>
+            </a:r>
+          </a:p>
+        </p:txBody>
+      </p:sp>
+      <p:pic>
+        <p:nvPicPr>
+          <p:cNvPr id="17" name="Picture 16">
+            <a:extLst>
+              <a:ext uri="{FF2B5EF4-FFF2-40B4-BE49-F238E27FC236}">
+                <a16:creationId xmlns:a16="http://schemas.microsoft.com/office/drawing/2014/main" id="{ABDAF9E1-AFEA-18DC-83EC-D05D96B74F37}"/>
+              </a:ext>
+            </a:extLst>
+          </p:cNvPr>
+          <p:cNvPicPr>
+            <a:picLocks noChangeAspect="1"/>
+          </p:cNvPicPr>
+          <p:nvPr/>
+        </p:nvPicPr>
+        <p:blipFill>
+          <a:blip r:embed="rId16"/>
+          <a:stretch>
+            <a:fillRect/>
+          </a:stretch>
+        </p:blipFill>
+        <p:spPr>
+          <a:xfrm>
+            <a:off x="2766840" y="2614992"/>
+            <a:ext cx="962295" cy="887554"/>
+          </a:xfrm>
+          <a:prstGeom prst="rect">
+            <a:avLst/>
+          </a:prstGeom>
+        </p:spPr>
+      </p:pic>
+      <p:sp>
+        <p:nvSpPr>
+          <p:cNvPr id="18" name="TextBox 17">
+            <a:extLst>
+              <a:ext uri="{FF2B5EF4-FFF2-40B4-BE49-F238E27FC236}">
+                <a16:creationId xmlns:a16="http://schemas.microsoft.com/office/drawing/2014/main" id="{6DE3B29D-9259-F339-285F-8D56DF5B7C65}"/>
+              </a:ext>
+            </a:extLst>
+          </p:cNvPr>
+          <p:cNvSpPr txBox="1"/>
+          <p:nvPr/>
+        </p:nvSpPr>
+        <p:spPr>
+          <a:xfrm>
+            <a:off x="2708261" y="3502546"/>
+            <a:ext cx="1534266" cy="369332"/>
+          </a:xfrm>
+          <a:prstGeom prst="rect">
+            <a:avLst/>
+          </a:prstGeom>
+          <a:noFill/>
+        </p:spPr>
+        <p:txBody>
+          <a:bodyPr wrap="none" rtlCol="0">
+            <a:spAutoFit/>
+          </a:bodyPr>
+          <a:lstStyle/>
+          <a:p>
+            <a:r>
+              <a:rPr lang="en-US" dirty="0"/>
+              <a:t>Container App</a:t>
+            </a:r>
+          </a:p>
+        </p:txBody>
+      </p:sp>
+      <p:pic>
+        <p:nvPicPr>
+          <p:cNvPr id="19" name="Picture 18">
+            <a:extLst>
+              <a:ext uri="{FF2B5EF4-FFF2-40B4-BE49-F238E27FC236}">
+                <a16:creationId xmlns:a16="http://schemas.microsoft.com/office/drawing/2014/main" id="{C3DA1AFE-87F8-F352-00CC-7922C5ECAB86}"/>
+              </a:ext>
+            </a:extLst>
+          </p:cNvPr>
+          <p:cNvPicPr>
+            <a:picLocks noChangeAspect="1"/>
+          </p:cNvPicPr>
+          <p:nvPr/>
+        </p:nvPicPr>
+        <p:blipFill>
+          <a:blip r:embed="rId17"/>
+          <a:stretch>
+            <a:fillRect/>
+          </a:stretch>
+        </p:blipFill>
+        <p:spPr>
+          <a:xfrm>
+            <a:off x="4588173" y="2431446"/>
+            <a:ext cx="1181100" cy="1181100"/>
+          </a:xfrm>
+          <a:prstGeom prst="rect">
+            <a:avLst/>
+          </a:prstGeom>
+        </p:spPr>
+      </p:pic>
+      <p:sp>
+        <p:nvSpPr>
+          <p:cNvPr id="20" name="TextBox 19">
+            <a:extLst>
+              <a:ext uri="{FF2B5EF4-FFF2-40B4-BE49-F238E27FC236}">
+                <a16:creationId xmlns:a16="http://schemas.microsoft.com/office/drawing/2014/main" id="{604F41A2-2B4A-C0BC-52E8-FA984F72A62C}"/>
+              </a:ext>
+            </a:extLst>
+          </p:cNvPr>
+          <p:cNvSpPr txBox="1"/>
+          <p:nvPr/>
+        </p:nvSpPr>
+        <p:spPr>
+          <a:xfrm>
+            <a:off x="4512054" y="3706311"/>
+            <a:ext cx="1477328" cy="369332"/>
+          </a:xfrm>
+          <a:prstGeom prst="rect">
+            <a:avLst/>
+          </a:prstGeom>
+          <a:noFill/>
+        </p:spPr>
+        <p:txBody>
+          <a:bodyPr wrap="none" rtlCol="0">
+            <a:spAutoFit/>
+          </a:bodyPr>
+          <a:lstStyle/>
+          <a:p>
+            <a:r>
+              <a:rPr lang="en-US" dirty="0"/>
+              <a:t>Azure </a:t>
+            </a:r>
+            <a:r>
+              <a:rPr lang="en-US" dirty="0" err="1"/>
+              <a:t>OpenAI</a:t>
+            </a:r>
+            <a:endParaRPr lang="en-US" dirty="0"/>
+          </a:p>
+        </p:txBody>
+      </p:sp>
+      <p:pic>
+        <p:nvPicPr>
+          <p:cNvPr id="22" name="Graphic 21">
+            <a:extLst>
+              <a:ext uri="{FF2B5EF4-FFF2-40B4-BE49-F238E27FC236}">
+                <a16:creationId xmlns:a16="http://schemas.microsoft.com/office/drawing/2014/main" id="{32020B68-DDAA-70D9-9690-72E6B1F562E1}"/>
+              </a:ext>
+            </a:extLst>
+          </p:cNvPr>
+          <p:cNvPicPr>
+            <a:picLocks noChangeAspect="1"/>
+          </p:cNvPicPr>
+          <p:nvPr/>
+        </p:nvPicPr>
+        <p:blipFill>
+          <a:blip r:embed="rId2">
+            <a:extLst>
+              <a:ext uri="{96DAC541-7B7A-43D3-8B79-37D633B846F1}">
+                <asvg:svgBlip xmlns:asvg="http://schemas.microsoft.com/office/drawing/2016/SVG/main" r:embed="rId3"/>
+              </a:ext>
+            </a:extLst>
+          </a:blip>
+          <a:stretch>
+            <a:fillRect/>
+          </a:stretch>
+        </p:blipFill>
+        <p:spPr>
+          <a:xfrm>
+            <a:off x="6615964" y="764047"/>
+            <a:ext cx="834970" cy="834970"/>
+          </a:xfrm>
+          <a:prstGeom prst="rect">
+            <a:avLst/>
+          </a:prstGeom>
+        </p:spPr>
+      </p:pic>
+      <p:sp>
+        <p:nvSpPr>
+          <p:cNvPr id="23" name="TextBox 22">
+            <a:extLst>
+              <a:ext uri="{FF2B5EF4-FFF2-40B4-BE49-F238E27FC236}">
+                <a16:creationId xmlns:a16="http://schemas.microsoft.com/office/drawing/2014/main" id="{1E6ED66A-6E05-B39C-162D-173A83AD8472}"/>
+              </a:ext>
+            </a:extLst>
+          </p:cNvPr>
+          <p:cNvSpPr txBox="1"/>
+          <p:nvPr/>
+        </p:nvSpPr>
+        <p:spPr>
+          <a:xfrm>
+            <a:off x="6160998" y="1631906"/>
+            <a:ext cx="1744901" cy="369332"/>
+          </a:xfrm>
+          <a:prstGeom prst="rect">
+            <a:avLst/>
+          </a:prstGeom>
+          <a:noFill/>
+        </p:spPr>
+        <p:txBody>
+          <a:bodyPr wrap="none" rtlCol="0">
+            <a:spAutoFit/>
+          </a:bodyPr>
+          <a:lstStyle/>
+          <a:p>
+            <a:r>
+              <a:rPr lang="en-US" dirty="0"/>
+              <a:t>App Service Plan</a:t>
+            </a:r>
+          </a:p>
+        </p:txBody>
+      </p:sp>
+      <p:pic>
+        <p:nvPicPr>
+          <p:cNvPr id="25" name="Graphic 24">
+            <a:extLst>
+              <a:ext uri="{FF2B5EF4-FFF2-40B4-BE49-F238E27FC236}">
+                <a16:creationId xmlns:a16="http://schemas.microsoft.com/office/drawing/2014/main" id="{DE9E9509-B08F-AE6D-D03B-AF19F7646A9B}"/>
+              </a:ext>
+            </a:extLst>
+          </p:cNvPr>
+          <p:cNvPicPr>
+            <a:picLocks noChangeAspect="1"/>
+          </p:cNvPicPr>
+          <p:nvPr/>
+        </p:nvPicPr>
+        <p:blipFill>
+          <a:blip r:embed="rId18">
+            <a:extLst>
+              <a:ext uri="{96DAC541-7B7A-43D3-8B79-37D633B846F1}">
+                <asvg:svgBlip xmlns:asvg="http://schemas.microsoft.com/office/drawing/2016/SVG/main" r:embed="rId19"/>
+              </a:ext>
+            </a:extLst>
+          </a:blip>
+          <a:stretch>
+            <a:fillRect/>
+          </a:stretch>
+        </p:blipFill>
+        <p:spPr>
+          <a:xfrm>
+            <a:off x="9673966" y="4459632"/>
+            <a:ext cx="2125371" cy="2125371"/>
+          </a:xfrm>
+          <a:prstGeom prst="rect">
+            <a:avLst/>
+          </a:prstGeom>
+        </p:spPr>
+      </p:pic>
+      <p:pic>
+        <p:nvPicPr>
+          <p:cNvPr id="26" name="Picture 25">
+            <a:extLst>
+              <a:ext uri="{FF2B5EF4-FFF2-40B4-BE49-F238E27FC236}">
+                <a16:creationId xmlns:a16="http://schemas.microsoft.com/office/drawing/2014/main" id="{9C3F526A-E664-34A5-3E2E-D06B50E198CD}"/>
+              </a:ext>
+            </a:extLst>
+          </p:cNvPr>
+          <p:cNvPicPr>
+            <a:picLocks noChangeAspect="1"/>
+          </p:cNvPicPr>
+          <p:nvPr/>
+        </p:nvPicPr>
+        <p:blipFill>
+          <a:blip r:embed="rId20"/>
+          <a:stretch>
+            <a:fillRect/>
+          </a:stretch>
+        </p:blipFill>
+        <p:spPr>
+          <a:xfrm>
+            <a:off x="10096735" y="437334"/>
+            <a:ext cx="1409700" cy="482600"/>
+          </a:xfrm>
+          <a:prstGeom prst="rect">
+            <a:avLst/>
+          </a:prstGeom>
+        </p:spPr>
+      </p:pic>
+      <p:pic>
+        <p:nvPicPr>
+          <p:cNvPr id="27" name="Picture 26">
+            <a:extLst>
+              <a:ext uri="{FF2B5EF4-FFF2-40B4-BE49-F238E27FC236}">
+                <a16:creationId xmlns:a16="http://schemas.microsoft.com/office/drawing/2014/main" id="{DF78B0DA-3EC7-DE65-290F-87CA587092FC}"/>
+              </a:ext>
+            </a:extLst>
+          </p:cNvPr>
+          <p:cNvPicPr>
+            <a:picLocks noChangeAspect="1"/>
+          </p:cNvPicPr>
+          <p:nvPr/>
+        </p:nvPicPr>
+        <p:blipFill>
+          <a:blip r:embed="rId21"/>
+          <a:stretch>
+            <a:fillRect/>
+          </a:stretch>
+        </p:blipFill>
+        <p:spPr>
+          <a:xfrm>
+            <a:off x="8304143" y="2436469"/>
+            <a:ext cx="990600" cy="622300"/>
           </a:xfrm>
           <a:prstGeom prst="rect">
             <a:avLst/>

--- a/assets/architecture.pptx
+++ b/assets/architecture.pptx
@@ -260,7 +260,7 @@
           <a:p>
             <a:fld id="{DBACAE05-573A-8D4F-B7C1-DDE7AC324BE1}" type="datetimeFigureOut">
               <a:rPr lang="en-US" smtClean="0"/>
-              <a:t>2/6/24</a:t>
+              <a:t>3/1/2024</a:t>
             </a:fld>
             <a:endParaRPr lang="en-US"/>
           </a:p>
@@ -458,7 +458,7 @@
           <a:p>
             <a:fld id="{DBACAE05-573A-8D4F-B7C1-DDE7AC324BE1}" type="datetimeFigureOut">
               <a:rPr lang="en-US" smtClean="0"/>
-              <a:t>2/6/24</a:t>
+              <a:t>3/1/2024</a:t>
             </a:fld>
             <a:endParaRPr lang="en-US"/>
           </a:p>
@@ -666,7 +666,7 @@
           <a:p>
             <a:fld id="{DBACAE05-573A-8D4F-B7C1-DDE7AC324BE1}" type="datetimeFigureOut">
               <a:rPr lang="en-US" smtClean="0"/>
-              <a:t>2/6/24</a:t>
+              <a:t>3/1/2024</a:t>
             </a:fld>
             <a:endParaRPr lang="en-US"/>
           </a:p>
@@ -864,7 +864,7 @@
           <a:p>
             <a:fld id="{DBACAE05-573A-8D4F-B7C1-DDE7AC324BE1}" type="datetimeFigureOut">
               <a:rPr lang="en-US" smtClean="0"/>
-              <a:t>2/6/24</a:t>
+              <a:t>3/1/2024</a:t>
             </a:fld>
             <a:endParaRPr lang="en-US"/>
           </a:p>
@@ -1139,7 +1139,7 @@
           <a:p>
             <a:fld id="{DBACAE05-573A-8D4F-B7C1-DDE7AC324BE1}" type="datetimeFigureOut">
               <a:rPr lang="en-US" smtClean="0"/>
-              <a:t>2/6/24</a:t>
+              <a:t>3/1/2024</a:t>
             </a:fld>
             <a:endParaRPr lang="en-US"/>
           </a:p>
@@ -1404,7 +1404,7 @@
           <a:p>
             <a:fld id="{DBACAE05-573A-8D4F-B7C1-DDE7AC324BE1}" type="datetimeFigureOut">
               <a:rPr lang="en-US" smtClean="0"/>
-              <a:t>2/6/24</a:t>
+              <a:t>3/1/2024</a:t>
             </a:fld>
             <a:endParaRPr lang="en-US"/>
           </a:p>
@@ -1816,7 +1816,7 @@
           <a:p>
             <a:fld id="{DBACAE05-573A-8D4F-B7C1-DDE7AC324BE1}" type="datetimeFigureOut">
               <a:rPr lang="en-US" smtClean="0"/>
-              <a:t>2/6/24</a:t>
+              <a:t>3/1/2024</a:t>
             </a:fld>
             <a:endParaRPr lang="en-US"/>
           </a:p>
@@ -1957,7 +1957,7 @@
           <a:p>
             <a:fld id="{DBACAE05-573A-8D4F-B7C1-DDE7AC324BE1}" type="datetimeFigureOut">
               <a:rPr lang="en-US" smtClean="0"/>
-              <a:t>2/6/24</a:t>
+              <a:t>3/1/2024</a:t>
             </a:fld>
             <a:endParaRPr lang="en-US"/>
           </a:p>
@@ -2070,7 +2070,7 @@
           <a:p>
             <a:fld id="{DBACAE05-573A-8D4F-B7C1-DDE7AC324BE1}" type="datetimeFigureOut">
               <a:rPr lang="en-US" smtClean="0"/>
-              <a:t>2/6/24</a:t>
+              <a:t>3/1/2024</a:t>
             </a:fld>
             <a:endParaRPr lang="en-US"/>
           </a:p>
@@ -2381,7 +2381,7 @@
           <a:p>
             <a:fld id="{DBACAE05-573A-8D4F-B7C1-DDE7AC324BE1}" type="datetimeFigureOut">
               <a:rPr lang="en-US" smtClean="0"/>
-              <a:t>2/6/24</a:t>
+              <a:t>3/1/2024</a:t>
             </a:fld>
             <a:endParaRPr lang="en-US"/>
           </a:p>
@@ -2669,7 +2669,7 @@
           <a:p>
             <a:fld id="{DBACAE05-573A-8D4F-B7C1-DDE7AC324BE1}" type="datetimeFigureOut">
               <a:rPr lang="en-US" smtClean="0"/>
-              <a:t>2/6/24</a:t>
+              <a:t>3/1/2024</a:t>
             </a:fld>
             <a:endParaRPr lang="en-US"/>
           </a:p>
@@ -2910,7 +2910,7 @@
           <a:p>
             <a:fld id="{DBACAE05-573A-8D4F-B7C1-DDE7AC324BE1}" type="datetimeFigureOut">
               <a:rPr lang="en-US" smtClean="0"/>
-              <a:t>2/6/24</a:t>
+              <a:t>3/1/2024</a:t>
             </a:fld>
             <a:endParaRPr lang="en-US"/>
           </a:p>
@@ -3418,7 +3418,7 @@
         </p:blipFill>
         <p:spPr>
           <a:xfrm>
-            <a:off x="9609725" y="1170808"/>
+            <a:off x="9570815" y="1555913"/>
             <a:ext cx="849434" cy="849434"/>
           </a:xfrm>
           <a:prstGeom prst="rect">
@@ -3497,8 +3497,8 @@
         </p:nvSpPr>
         <p:spPr>
           <a:xfrm>
-            <a:off x="9160267" y="2068079"/>
-            <a:ext cx="2074863" cy="646331"/>
+            <a:off x="9139723" y="2379591"/>
+            <a:ext cx="1826782" cy="369332"/>
           </a:xfrm>
           <a:prstGeom prst="rect">
             <a:avLst/>
@@ -3515,17 +3515,6 @@
               <a:rPr lang="en-US" dirty="0"/>
               <a:t>Azure Cosmos DB</a:t>
             </a:r>
-          </a:p>
-          <a:p>
-            <a:r>
-              <a:rPr lang="en-US" dirty="0"/>
-              <a:t>For MongoDB </a:t>
-            </a:r>
-            <a:r>
-              <a:rPr lang="en-US" dirty="0" err="1"/>
-              <a:t>vCore</a:t>
-            </a:r>
-            <a:endParaRPr lang="en-US" dirty="0"/>
           </a:p>
         </p:txBody>
       </p:sp>

--- a/assets/architecture.pptx
+++ b/assets/architecture.pptx
@@ -260,7 +260,7 @@
           <a:p>
             <a:fld id="{DBACAE05-573A-8D4F-B7C1-DDE7AC324BE1}" type="datetimeFigureOut">
               <a:rPr lang="en-US" smtClean="0"/>
-              <a:t>3/1/2024</a:t>
+              <a:t>8/11/24</a:t>
             </a:fld>
             <a:endParaRPr lang="en-US"/>
           </a:p>
@@ -458,7 +458,7 @@
           <a:p>
             <a:fld id="{DBACAE05-573A-8D4F-B7C1-DDE7AC324BE1}" type="datetimeFigureOut">
               <a:rPr lang="en-US" smtClean="0"/>
-              <a:t>3/1/2024</a:t>
+              <a:t>8/11/24</a:t>
             </a:fld>
             <a:endParaRPr lang="en-US"/>
           </a:p>
@@ -666,7 +666,7 @@
           <a:p>
             <a:fld id="{DBACAE05-573A-8D4F-B7C1-DDE7AC324BE1}" type="datetimeFigureOut">
               <a:rPr lang="en-US" smtClean="0"/>
-              <a:t>3/1/2024</a:t>
+              <a:t>8/11/24</a:t>
             </a:fld>
             <a:endParaRPr lang="en-US"/>
           </a:p>
@@ -864,7 +864,7 @@
           <a:p>
             <a:fld id="{DBACAE05-573A-8D4F-B7C1-DDE7AC324BE1}" type="datetimeFigureOut">
               <a:rPr lang="en-US" smtClean="0"/>
-              <a:t>3/1/2024</a:t>
+              <a:t>8/11/24</a:t>
             </a:fld>
             <a:endParaRPr lang="en-US"/>
           </a:p>
@@ -1139,7 +1139,7 @@
           <a:p>
             <a:fld id="{DBACAE05-573A-8D4F-B7C1-DDE7AC324BE1}" type="datetimeFigureOut">
               <a:rPr lang="en-US" smtClean="0"/>
-              <a:t>3/1/2024</a:t>
+              <a:t>8/11/24</a:t>
             </a:fld>
             <a:endParaRPr lang="en-US"/>
           </a:p>
@@ -1404,7 +1404,7 @@
           <a:p>
             <a:fld id="{DBACAE05-573A-8D4F-B7C1-DDE7AC324BE1}" type="datetimeFigureOut">
               <a:rPr lang="en-US" smtClean="0"/>
-              <a:t>3/1/2024</a:t>
+              <a:t>8/11/24</a:t>
             </a:fld>
             <a:endParaRPr lang="en-US"/>
           </a:p>
@@ -1816,7 +1816,7 @@
           <a:p>
             <a:fld id="{DBACAE05-573A-8D4F-B7C1-DDE7AC324BE1}" type="datetimeFigureOut">
               <a:rPr lang="en-US" smtClean="0"/>
-              <a:t>3/1/2024</a:t>
+              <a:t>8/11/24</a:t>
             </a:fld>
             <a:endParaRPr lang="en-US"/>
           </a:p>
@@ -1957,7 +1957,7 @@
           <a:p>
             <a:fld id="{DBACAE05-573A-8D4F-B7C1-DDE7AC324BE1}" type="datetimeFigureOut">
               <a:rPr lang="en-US" smtClean="0"/>
-              <a:t>3/1/2024</a:t>
+              <a:t>8/11/24</a:t>
             </a:fld>
             <a:endParaRPr lang="en-US"/>
           </a:p>
@@ -2070,7 +2070,7 @@
           <a:p>
             <a:fld id="{DBACAE05-573A-8D4F-B7C1-DDE7AC324BE1}" type="datetimeFigureOut">
               <a:rPr lang="en-US" smtClean="0"/>
-              <a:t>3/1/2024</a:t>
+              <a:t>8/11/24</a:t>
             </a:fld>
             <a:endParaRPr lang="en-US"/>
           </a:p>
@@ -2381,7 +2381,7 @@
           <a:p>
             <a:fld id="{DBACAE05-573A-8D4F-B7C1-DDE7AC324BE1}" type="datetimeFigureOut">
               <a:rPr lang="en-US" smtClean="0"/>
-              <a:t>3/1/2024</a:t>
+              <a:t>8/11/24</a:t>
             </a:fld>
             <a:endParaRPr lang="en-US"/>
           </a:p>
@@ -2669,7 +2669,7 @@
           <a:p>
             <a:fld id="{DBACAE05-573A-8D4F-B7C1-DDE7AC324BE1}" type="datetimeFigureOut">
               <a:rPr lang="en-US" smtClean="0"/>
-              <a:t>3/1/2024</a:t>
+              <a:t>8/11/24</a:t>
             </a:fld>
             <a:endParaRPr lang="en-US"/>
           </a:p>
@@ -2910,7 +2910,7 @@
           <a:p>
             <a:fld id="{DBACAE05-573A-8D4F-B7C1-DDE7AC324BE1}" type="datetimeFigureOut">
               <a:rPr lang="en-US" smtClean="0"/>
-              <a:t>3/1/2024</a:t>
+              <a:t>8/11/24</a:t>
             </a:fld>
             <a:endParaRPr lang="en-US"/>
           </a:p>
@@ -3498,7 +3498,7 @@
         <p:spPr>
           <a:xfrm>
             <a:off x="9139723" y="2379591"/>
-            <a:ext cx="1826782" cy="369332"/>
+            <a:ext cx="1826782" cy="646331"/>
           </a:xfrm>
           <a:prstGeom prst="rect">
             <a:avLst/>
@@ -3516,6 +3516,12 @@
               <a:t>Azure Cosmos DB</a:t>
             </a:r>
           </a:p>
+          <a:p>
+            <a:r>
+              <a:rPr lang="en-US" dirty="0"/>
+              <a:t>for NoSQL</a:t>
+            </a:r>
+          </a:p>
         </p:txBody>
       </p:sp>
       <p:sp>
@@ -3532,8 +3538,8 @@
         </p:nvSpPr>
         <p:spPr>
           <a:xfrm>
-            <a:off x="9609725" y="4528509"/>
-            <a:ext cx="886781" cy="646331"/>
+            <a:off x="9405954" y="4765045"/>
+            <a:ext cx="1477328" cy="369332"/>
           </a:xfrm>
           <a:prstGeom prst="rect">
             <a:avLst/>
@@ -3548,10 +3554,8 @@
           <a:p>
             <a:r>
               <a:rPr lang="en-US" dirty="0"/>
-              <a:t>Azure</a:t>
-            </a:r>
-          </a:p>
-          <a:p>
+              <a:t>Azure </a:t>
+            </a:r>
             <a:r>
               <a:rPr lang="en-US" dirty="0" err="1"/>
               <a:t>OpenAI</a:t>
@@ -3582,7 +3586,7 @@
         </p:blipFill>
         <p:spPr>
           <a:xfrm>
-            <a:off x="9677387" y="3759091"/>
+            <a:off x="9677387" y="3992771"/>
             <a:ext cx="751455" cy="769418"/>
           </a:xfrm>
           <a:prstGeom prst="rect">
@@ -3817,8 +3821,8 @@
         </p:nvSpPr>
         <p:spPr>
           <a:xfrm>
-            <a:off x="6325224" y="1159267"/>
-            <a:ext cx="1043234" cy="923330"/>
+            <a:off x="6263987" y="1103841"/>
+            <a:ext cx="1405513" cy="646331"/>
           </a:xfrm>
           <a:prstGeom prst="rect">
             <a:avLst/>
@@ -3833,13 +3837,7 @@
           <a:p>
             <a:r>
               <a:rPr lang="en-US" dirty="0"/>
-              <a:t>Back-end</a:t>
-            </a:r>
-          </a:p>
-          <a:p>
-            <a:r>
-              <a:rPr lang="en-US" dirty="0"/>
-              <a:t>API</a:t>
+              <a:t>Back-end API</a:t>
             </a:r>
           </a:p>
           <a:p>
@@ -3959,7 +3957,7 @@
         </p:nvCxnSpPr>
         <p:spPr>
           <a:xfrm>
-            <a:off x="10021094" y="2911204"/>
+            <a:off x="10021094" y="3144884"/>
             <a:ext cx="0" cy="748747"/>
           </a:xfrm>
           <a:prstGeom prst="straightConnector1">
@@ -4087,8 +4085,8 @@
         </p:nvSpPr>
         <p:spPr>
           <a:xfrm>
-            <a:off x="728483" y="2564977"/>
-            <a:ext cx="955454" cy="646331"/>
+            <a:off x="490608" y="2577115"/>
+            <a:ext cx="1442318" cy="369332"/>
           </a:xfrm>
           <a:prstGeom prst="rect">
             <a:avLst/>
@@ -4103,13 +4101,7 @@
           <a:p>
             <a:r>
               <a:rPr lang="en-US" dirty="0"/>
-              <a:t>Web</a:t>
-            </a:r>
-          </a:p>
-          <a:p>
-            <a:r>
-              <a:rPr lang="en-US" dirty="0"/>
-              <a:t>Browser</a:t>
+              <a:t>Web Browser</a:t>
             </a:r>
           </a:p>
         </p:txBody>
